--- a/FG_thalamus_presi_2022-06-27.pptx
+++ b/FG_thalamus_presi_2022-06-27.pptx
@@ -106,6 +106,11 @@
       </a:defRPr>
     </a:lvl9pPr>
   </p:defaultTextStyle>
+  <p:extLst>
+    <p:ext uri="{EFAFB233-063F-42B5-8137-9DF3F51BA10A}">
+      <p15:sldGuideLst xmlns:p15="http://schemas.microsoft.com/office/powerpoint/2012/main"/>
+    </p:ext>
+  </p:extLst>
 </p:presentation>
 </file>
 
@@ -3372,7 +3377,7 @@
         <p:spPr>
           <a:xfrm>
             <a:off x="250371" y="143691"/>
-            <a:ext cx="10515600" cy="1776549"/>
+            <a:ext cx="10515600" cy="2555966"/>
           </a:xfrm>
           <a:ln w="12700">
             <a:solidFill>
@@ -3382,7 +3387,7 @@
         </p:spPr>
         <p:txBody>
           <a:bodyPr>
-            <a:normAutofit lnSpcReduction="10000"/>
+            <a:normAutofit/>
           </a:bodyPr>
           <a:lstStyle/>
           <a:p>
@@ -3455,7 +3460,7 @@
             </a:pPr>
             <a:r>
               <a:rPr lang="de-DE" sz="1600" dirty="0" err="1"/>
-              <a:t>Selection</a:t>
+              <a:t>Application</a:t>
             </a:r>
             <a:r>
               <a:rPr lang="de-DE" sz="1600" dirty="0"/>
@@ -3471,6 +3476,187 @@
             </a:r>
             <a:r>
               <a:rPr lang="de-DE" sz="1600" dirty="0" err="1"/>
+              <a:t>exclusion</a:t>
+            </a:r>
+            <a:r>
+              <a:rPr lang="de-DE" sz="1600" dirty="0"/>
+              <a:t> </a:t>
+            </a:r>
+            <a:r>
+              <a:rPr lang="de-DE" sz="1600" dirty="0" err="1"/>
+              <a:t>criteria</a:t>
+            </a:r>
+            <a:r>
+              <a:rPr lang="de-DE" sz="1600" dirty="0"/>
+              <a:t> (T1 &amp; HC)</a:t>
+            </a:r>
+          </a:p>
+          <a:p>
+            <a:pPr lvl="1">
+              <a:lnSpc>
+                <a:spcPct val="100000"/>
+              </a:lnSpc>
+              <a:spcBef>
+                <a:spcPts val="0"/>
+              </a:spcBef>
+            </a:pPr>
+            <a:r>
+              <a:rPr lang="de-DE" sz="1200" dirty="0" err="1"/>
+              <a:t>Hc</a:t>
+            </a:r>
+            <a:r>
+              <a:rPr lang="de-DE" sz="1200" dirty="0"/>
+              <a:t>. </a:t>
+            </a:r>
+            <a:r>
+              <a:rPr lang="de-DE" sz="1200" dirty="0" err="1"/>
+              <a:t>Psychiatric</a:t>
+            </a:r>
+            <a:r>
+              <a:rPr lang="de-DE" sz="1200" dirty="0"/>
+              <a:t> </a:t>
+            </a:r>
+            <a:r>
+              <a:rPr lang="de-DE" sz="1200" dirty="0" err="1"/>
+              <a:t>disorders</a:t>
+            </a:r>
+            <a:r>
+              <a:rPr lang="de-DE" sz="1200" dirty="0"/>
+              <a:t>, </a:t>
+            </a:r>
+            <a:r>
+              <a:rPr lang="de-DE" sz="1200" dirty="0" err="1"/>
+              <a:t>medication</a:t>
+            </a:r>
+            <a:r>
+              <a:rPr lang="de-DE" sz="1200" dirty="0"/>
+              <a:t>: (AD, </a:t>
+            </a:r>
+            <a:r>
+              <a:rPr lang="de-DE" sz="1200" dirty="0" err="1"/>
+              <a:t>neuroleptics</a:t>
+            </a:r>
+            <a:r>
+              <a:rPr lang="de-DE" sz="1200" dirty="0"/>
+              <a:t>, </a:t>
+            </a:r>
+            <a:r>
+              <a:rPr lang="de-DE" sz="1200" dirty="0" err="1"/>
+              <a:t>stimulating</a:t>
+            </a:r>
+            <a:r>
+              <a:rPr lang="de-DE" sz="1200" dirty="0"/>
+              <a:t> </a:t>
+            </a:r>
+            <a:r>
+              <a:rPr lang="de-DE" sz="1200" dirty="0" err="1"/>
+              <a:t>substances</a:t>
+            </a:r>
+            <a:r>
+              <a:rPr lang="de-DE" sz="1200" dirty="0"/>
+              <a:t>, </a:t>
+            </a:r>
+            <a:r>
+              <a:rPr lang="de-DE" sz="1200" dirty="0" err="1"/>
+              <a:t>mood</a:t>
+            </a:r>
+            <a:r>
+              <a:rPr lang="de-DE" sz="1200" dirty="0"/>
+              <a:t> </a:t>
+            </a:r>
+            <a:r>
+              <a:rPr lang="de-DE" sz="1200" dirty="0" err="1"/>
+              <a:t>stabilizers</a:t>
+            </a:r>
+            <a:r>
+              <a:rPr lang="de-DE" sz="1200" dirty="0"/>
+              <a:t>, </a:t>
+            </a:r>
+            <a:r>
+              <a:rPr lang="de-DE" sz="1200" dirty="0" err="1"/>
+              <a:t>benzodiazepines</a:t>
+            </a:r>
+            <a:r>
+              <a:rPr lang="de-DE" sz="1200" dirty="0"/>
+              <a:t>)</a:t>
+            </a:r>
+          </a:p>
+          <a:p>
+            <a:pPr lvl="1">
+              <a:lnSpc>
+                <a:spcPct val="100000"/>
+              </a:lnSpc>
+              <a:spcBef>
+                <a:spcPts val="0"/>
+              </a:spcBef>
+            </a:pPr>
+            <a:r>
+              <a:rPr lang="de-DE" sz="1200" dirty="0"/>
+              <a:t>T1: </a:t>
+            </a:r>
+            <a:r>
+              <a:rPr lang="de-DE" sz="1200" dirty="0" err="1"/>
+              <a:t>comorbidities</a:t>
+            </a:r>
+            <a:r>
+              <a:rPr lang="de-DE" sz="1200" dirty="0"/>
+              <a:t> and SSRI </a:t>
+            </a:r>
+            <a:r>
+              <a:rPr lang="de-DE" sz="1200" dirty="0" err="1"/>
+              <a:t>are</a:t>
+            </a:r>
+            <a:r>
+              <a:rPr lang="de-DE" sz="1200" dirty="0"/>
+              <a:t> </a:t>
+            </a:r>
+            <a:r>
+              <a:rPr lang="de-DE" sz="1200" dirty="0" err="1"/>
+              <a:t>included</a:t>
+            </a:r>
+            <a:endParaRPr lang="de-DE" sz="1200" dirty="0"/>
+          </a:p>
+          <a:p>
+            <a:pPr lvl="1">
+              <a:lnSpc>
+                <a:spcPct val="100000"/>
+              </a:lnSpc>
+              <a:spcBef>
+                <a:spcPts val="0"/>
+              </a:spcBef>
+            </a:pPr>
+            <a:r>
+              <a:rPr lang="de-DE" sz="1200" dirty="0"/>
+              <a:t>Checking BMI(-SDS)</a:t>
+            </a:r>
+          </a:p>
+          <a:p>
+            <a:pPr>
+              <a:lnSpc>
+                <a:spcPct val="100000"/>
+              </a:lnSpc>
+              <a:spcBef>
+                <a:spcPts val="0"/>
+              </a:spcBef>
+            </a:pPr>
+            <a:r>
+              <a:rPr lang="de-DE" sz="1600" dirty="0" err="1"/>
+              <a:t>Selection</a:t>
+            </a:r>
+            <a:r>
+              <a:rPr lang="de-DE" sz="1600" dirty="0"/>
+              <a:t> </a:t>
+            </a:r>
+            <a:r>
+              <a:rPr lang="de-DE" sz="1600" dirty="0" err="1"/>
+              <a:t>of</a:t>
+            </a:r>
+            <a:r>
+              <a:rPr lang="de-DE" sz="1600" dirty="0"/>
+              <a:t> </a:t>
+            </a:r>
+            <a:r>
+              <a:rPr lang="de-DE" sz="1600" dirty="0" err="1"/>
               <a:t>one</a:t>
             </a:r>
             <a:r>
@@ -3500,6 +3686,81 @@
             <a:endParaRPr lang="de-DE" sz="1600" dirty="0"/>
           </a:p>
           <a:p>
+            <a:pPr lvl="1">
+              <a:lnSpc>
+                <a:spcPct val="100000"/>
+              </a:lnSpc>
+              <a:spcBef>
+                <a:spcPts val="0"/>
+              </a:spcBef>
+            </a:pPr>
+            <a:r>
+              <a:rPr lang="de-DE" sz="1200" dirty="0"/>
+              <a:t>1. </a:t>
+            </a:r>
+            <a:r>
+              <a:rPr lang="de-DE" sz="1200" dirty="0" err="1"/>
+              <a:t>thalamus</a:t>
+            </a:r>
+            <a:r>
+              <a:rPr lang="de-DE" sz="1200" dirty="0"/>
+              <a:t> </a:t>
+            </a:r>
+            <a:r>
+              <a:rPr lang="de-DE" sz="1200" dirty="0" err="1"/>
+              <a:t>subsegmantation</a:t>
+            </a:r>
+            <a:r>
+              <a:rPr lang="de-DE" sz="1200" dirty="0"/>
+              <a:t> QC </a:t>
+            </a:r>
+            <a:r>
+              <a:rPr lang="de-DE" sz="1200" dirty="0" err="1"/>
+              <a:t>rating</a:t>
+            </a:r>
+            <a:r>
+              <a:rPr lang="de-DE" sz="1200" dirty="0"/>
+              <a:t>, 2. </a:t>
+            </a:r>
+            <a:r>
+              <a:rPr lang="de-DE" sz="1200" dirty="0" err="1"/>
+              <a:t>general</a:t>
+            </a:r>
+            <a:r>
+              <a:rPr lang="de-DE" sz="1200" dirty="0"/>
+              <a:t> QC </a:t>
+            </a:r>
+            <a:r>
+              <a:rPr lang="de-DE" sz="1200" dirty="0" err="1"/>
+              <a:t>rating</a:t>
+            </a:r>
+            <a:r>
+              <a:rPr lang="de-DE" sz="1200" dirty="0"/>
+              <a:t>, 3. </a:t>
+            </a:r>
+            <a:r>
+              <a:rPr lang="de-DE" sz="1200" dirty="0" err="1"/>
+              <a:t>outlier</a:t>
+            </a:r>
+            <a:r>
+              <a:rPr lang="de-DE" sz="1200" dirty="0"/>
+              <a:t> (</a:t>
+            </a:r>
+            <a:r>
+              <a:rPr lang="de-DE" sz="1200" dirty="0" err="1"/>
+              <a:t>volume+symmetry</a:t>
+            </a:r>
+            <a:r>
+              <a:rPr lang="de-DE" sz="1200" dirty="0"/>
+              <a:t>) </a:t>
+            </a:r>
+            <a:r>
+              <a:rPr lang="de-DE" sz="1200" dirty="0" err="1"/>
+              <a:t>sum</a:t>
+            </a:r>
+            <a:endParaRPr lang="de-DE" sz="1600" dirty="0"/>
+          </a:p>
+          <a:p>
             <a:pPr>
               <a:lnSpc>
                 <a:spcPct val="100000"/>
@@ -3510,7 +3771,29 @@
             </a:pPr>
             <a:r>
               <a:rPr lang="de-DE" sz="1600" dirty="0" err="1"/>
-              <a:t>Application</a:t>
+              <a:t>Matching</a:t>
+            </a:r>
+            <a:r>
+              <a:rPr lang="de-DE" sz="1600" dirty="0"/>
+              <a:t> T1 and HC</a:t>
+            </a:r>
+          </a:p>
+          <a:p>
+            <a:pPr>
+              <a:lnSpc>
+                <a:spcPct val="100000"/>
+              </a:lnSpc>
+              <a:spcBef>
+                <a:spcPts val="0"/>
+              </a:spcBef>
+            </a:pPr>
+            <a:r>
+              <a:rPr lang="de-DE" sz="1600" dirty="0"/>
+              <a:t>CLMI </a:t>
+            </a:r>
+            <a:r>
+              <a:rPr lang="de-DE" sz="1600" dirty="0" err="1"/>
+              <a:t>for</a:t>
             </a:r>
             <a:r>
               <a:rPr lang="de-DE" sz="1600" dirty="0"/>
@@ -3518,7 +3801,7 @@
             </a:r>
             <a:r>
               <a:rPr lang="de-DE" sz="1600" dirty="0" err="1"/>
-              <a:t>of</a:t>
+              <a:t>plasma</a:t>
             </a:r>
             <a:r>
               <a:rPr lang="de-DE" sz="1600" dirty="0"/>
@@ -3526,7 +3809,25 @@
             </a:r>
             <a:r>
               <a:rPr lang="de-DE" sz="1600" dirty="0" err="1"/>
-              <a:t>exclusion</a:t>
+              <a:t>leptin</a:t>
+            </a:r>
+            <a:r>
+              <a:rPr lang="de-DE" sz="1600" dirty="0"/>
+              <a:t> (?)</a:t>
+            </a:r>
+          </a:p>
+          <a:p>
+            <a:pPr>
+              <a:lnSpc>
+                <a:spcPct val="100000"/>
+              </a:lnSpc>
+              <a:spcBef>
+                <a:spcPts val="0"/>
+              </a:spcBef>
+            </a:pPr>
+            <a:r>
+              <a:rPr lang="de-DE" sz="1600" dirty="0" err="1"/>
+              <a:t>Descriptive</a:t>
             </a:r>
             <a:r>
               <a:rPr lang="de-DE" sz="1600" dirty="0"/>
@@ -3534,88 +3835,6 @@
             </a:r>
             <a:r>
               <a:rPr lang="de-DE" sz="1600" dirty="0" err="1"/>
-              <a:t>criteria</a:t>
-            </a:r>
-            <a:r>
-              <a:rPr lang="de-DE" sz="1600" dirty="0"/>
-              <a:t> (T1 &amp; HC)</a:t>
-            </a:r>
-          </a:p>
-          <a:p>
-            <a:pPr>
-              <a:lnSpc>
-                <a:spcPct val="100000"/>
-              </a:lnSpc>
-              <a:spcBef>
-                <a:spcPts val="0"/>
-              </a:spcBef>
-            </a:pPr>
-            <a:r>
-              <a:rPr lang="de-DE" sz="1600" dirty="0" err="1"/>
-              <a:t>Matching</a:t>
-            </a:r>
-            <a:r>
-              <a:rPr lang="de-DE" sz="1600" dirty="0"/>
-              <a:t> T1 and HC</a:t>
-            </a:r>
-          </a:p>
-          <a:p>
-            <a:pPr>
-              <a:lnSpc>
-                <a:spcPct val="100000"/>
-              </a:lnSpc>
-              <a:spcBef>
-                <a:spcPts val="0"/>
-              </a:spcBef>
-            </a:pPr>
-            <a:r>
-              <a:rPr lang="de-DE" sz="1600" dirty="0"/>
-              <a:t>CLMI </a:t>
-            </a:r>
-            <a:r>
-              <a:rPr lang="de-DE" sz="1600" dirty="0" err="1"/>
-              <a:t>for</a:t>
-            </a:r>
-            <a:r>
-              <a:rPr lang="de-DE" sz="1600" dirty="0"/>
-              <a:t> </a:t>
-            </a:r>
-            <a:r>
-              <a:rPr lang="de-DE" sz="1600" dirty="0" err="1"/>
-              <a:t>plasma</a:t>
-            </a:r>
-            <a:r>
-              <a:rPr lang="de-DE" sz="1600" dirty="0"/>
-              <a:t> </a:t>
-            </a:r>
-            <a:r>
-              <a:rPr lang="de-DE" sz="1600" dirty="0" err="1"/>
-              <a:t>leptin</a:t>
-            </a:r>
-            <a:r>
-              <a:rPr lang="de-DE" sz="1600" dirty="0"/>
-              <a:t> (?)</a:t>
-            </a:r>
-          </a:p>
-          <a:p>
-            <a:pPr>
-              <a:lnSpc>
-                <a:spcPct val="100000"/>
-              </a:lnSpc>
-              <a:spcBef>
-                <a:spcPts val="0"/>
-              </a:spcBef>
-            </a:pPr>
-            <a:r>
-              <a:rPr lang="de-DE" sz="1600" dirty="0" err="1"/>
-              <a:t>Descriptive</a:t>
-            </a:r>
-            <a:r>
-              <a:rPr lang="de-DE" sz="1600" dirty="0"/>
-              <a:t> </a:t>
-            </a:r>
-            <a:r>
-              <a:rPr lang="de-DE" sz="1600" dirty="0" err="1"/>
               <a:t>statistics</a:t>
             </a:r>
             <a:endParaRPr lang="de-DE" sz="1600" dirty="0"/>
@@ -3638,7 +3857,7 @@
         </p:nvSpPr>
         <p:spPr>
           <a:xfrm>
-            <a:off x="250371" y="2194561"/>
+            <a:off x="250371" y="3063240"/>
             <a:ext cx="10515600" cy="731519"/>
           </a:xfrm>
           <a:prstGeom prst="rect">
@@ -3918,7 +4137,7 @@
         </p:nvSpPr>
         <p:spPr>
           <a:xfrm>
-            <a:off x="250371" y="3317968"/>
+            <a:off x="250371" y="4158342"/>
             <a:ext cx="10515600" cy="1541415"/>
           </a:xfrm>
           <a:prstGeom prst="rect">
@@ -4468,7 +4687,7 @@
         </p:nvSpPr>
         <p:spPr>
           <a:xfrm>
-            <a:off x="250371" y="5251271"/>
+            <a:off x="250371" y="6063340"/>
             <a:ext cx="10515600" cy="496388"/>
           </a:xfrm>
           <a:prstGeom prst="rect">

--- a/FG_thalamus_presi_2022-06-27.pptx
+++ b/FG_thalamus_presi_2022-06-27.pptx
@@ -261,7 +261,7 @@
           <a:p>
             <a:fld id="{B3D624B6-16F0-449A-8E9B-C3FE8A18EF87}" type="datetimeFigureOut">
               <a:rPr lang="de-DE" smtClean="0"/>
-              <a:t>27.06.2022</a:t>
+              <a:t>29.06.2022</a:t>
             </a:fld>
             <a:endParaRPr lang="de-DE"/>
           </a:p>
@@ -459,7 +459,7 @@
           <a:p>
             <a:fld id="{B3D624B6-16F0-449A-8E9B-C3FE8A18EF87}" type="datetimeFigureOut">
               <a:rPr lang="de-DE" smtClean="0"/>
-              <a:t>27.06.2022</a:t>
+              <a:t>29.06.2022</a:t>
             </a:fld>
             <a:endParaRPr lang="de-DE"/>
           </a:p>
@@ -667,7 +667,7 @@
           <a:p>
             <a:fld id="{B3D624B6-16F0-449A-8E9B-C3FE8A18EF87}" type="datetimeFigureOut">
               <a:rPr lang="de-DE" smtClean="0"/>
-              <a:t>27.06.2022</a:t>
+              <a:t>29.06.2022</a:t>
             </a:fld>
             <a:endParaRPr lang="de-DE"/>
           </a:p>
@@ -865,7 +865,7 @@
           <a:p>
             <a:fld id="{B3D624B6-16F0-449A-8E9B-C3FE8A18EF87}" type="datetimeFigureOut">
               <a:rPr lang="de-DE" smtClean="0"/>
-              <a:t>27.06.2022</a:t>
+              <a:t>29.06.2022</a:t>
             </a:fld>
             <a:endParaRPr lang="de-DE"/>
           </a:p>
@@ -1140,7 +1140,7 @@
           <a:p>
             <a:fld id="{B3D624B6-16F0-449A-8E9B-C3FE8A18EF87}" type="datetimeFigureOut">
               <a:rPr lang="de-DE" smtClean="0"/>
-              <a:t>27.06.2022</a:t>
+              <a:t>29.06.2022</a:t>
             </a:fld>
             <a:endParaRPr lang="de-DE"/>
           </a:p>
@@ -1405,7 +1405,7 @@
           <a:p>
             <a:fld id="{B3D624B6-16F0-449A-8E9B-C3FE8A18EF87}" type="datetimeFigureOut">
               <a:rPr lang="de-DE" smtClean="0"/>
-              <a:t>27.06.2022</a:t>
+              <a:t>29.06.2022</a:t>
             </a:fld>
             <a:endParaRPr lang="de-DE"/>
           </a:p>
@@ -1817,7 +1817,7 @@
           <a:p>
             <a:fld id="{B3D624B6-16F0-449A-8E9B-C3FE8A18EF87}" type="datetimeFigureOut">
               <a:rPr lang="de-DE" smtClean="0"/>
-              <a:t>27.06.2022</a:t>
+              <a:t>29.06.2022</a:t>
             </a:fld>
             <a:endParaRPr lang="de-DE"/>
           </a:p>
@@ -1958,7 +1958,7 @@
           <a:p>
             <a:fld id="{B3D624B6-16F0-449A-8E9B-C3FE8A18EF87}" type="datetimeFigureOut">
               <a:rPr lang="de-DE" smtClean="0"/>
-              <a:t>27.06.2022</a:t>
+              <a:t>29.06.2022</a:t>
             </a:fld>
             <a:endParaRPr lang="de-DE"/>
           </a:p>
@@ -2071,7 +2071,7 @@
           <a:p>
             <a:fld id="{B3D624B6-16F0-449A-8E9B-C3FE8A18EF87}" type="datetimeFigureOut">
               <a:rPr lang="de-DE" smtClean="0"/>
-              <a:t>27.06.2022</a:t>
+              <a:t>29.06.2022</a:t>
             </a:fld>
             <a:endParaRPr lang="de-DE"/>
           </a:p>
@@ -2382,7 +2382,7 @@
           <a:p>
             <a:fld id="{B3D624B6-16F0-449A-8E9B-C3FE8A18EF87}" type="datetimeFigureOut">
               <a:rPr lang="de-DE" smtClean="0"/>
-              <a:t>27.06.2022</a:t>
+              <a:t>29.06.2022</a:t>
             </a:fld>
             <a:endParaRPr lang="de-DE"/>
           </a:p>
@@ -2670,7 +2670,7 @@
           <a:p>
             <a:fld id="{B3D624B6-16F0-449A-8E9B-C3FE8A18EF87}" type="datetimeFigureOut">
               <a:rPr lang="de-DE" smtClean="0"/>
-              <a:t>27.06.2022</a:t>
+              <a:t>29.06.2022</a:t>
             </a:fld>
             <a:endParaRPr lang="de-DE"/>
           </a:p>
@@ -2911,7 +2911,7 @@
           <a:p>
             <a:fld id="{B3D624B6-16F0-449A-8E9B-C3FE8A18EF87}" type="datetimeFigureOut">
               <a:rPr lang="de-DE" smtClean="0"/>
-              <a:t>27.06.2022</a:t>
+              <a:t>29.06.2022</a:t>
             </a:fld>
             <a:endParaRPr lang="de-DE"/>
           </a:p>
@@ -3788,8 +3788,20 @@
               </a:spcBef>
             </a:pPr>
             <a:r>
-              <a:rPr lang="de-DE" sz="1600" dirty="0"/>
-              <a:t>CLMI </a:t>
+              <a:rPr lang="de-DE" sz="1600" dirty="0" err="1"/>
+              <a:t>Interquartile</a:t>
+            </a:r>
+            <a:r>
+              <a:rPr lang="de-DE" sz="1600" dirty="0"/>
+              <a:t> </a:t>
+            </a:r>
+            <a:r>
+              <a:rPr lang="de-DE" sz="1600" dirty="0" err="1"/>
+              <a:t>regression</a:t>
+            </a:r>
+            <a:r>
+              <a:rPr lang="de-DE" sz="1600" dirty="0"/>
+              <a:t> </a:t>
             </a:r>
             <a:r>
               <a:rPr lang="de-DE" sz="1600" dirty="0" err="1"/>
@@ -3813,7 +3825,31 @@
             </a:r>
             <a:r>
               <a:rPr lang="de-DE" sz="1600" dirty="0"/>
-              <a:t> (?)</a:t>
+              <a:t> (</a:t>
+            </a:r>
+            <a:r>
+              <a:rPr lang="de-DE" sz="1600" dirty="0" err="1"/>
+              <a:t>batch</a:t>
+            </a:r>
+            <a:r>
+              <a:rPr lang="de-DE" sz="1600" dirty="0"/>
+              <a:t> </a:t>
+            </a:r>
+            <a:r>
+              <a:rPr lang="de-DE" sz="1600" dirty="0" err="1"/>
+              <a:t>from</a:t>
+            </a:r>
+            <a:r>
+              <a:rPr lang="de-DE" sz="1600" dirty="0"/>
+              <a:t> </a:t>
+            </a:r>
+            <a:r>
+              <a:rPr lang="de-DE" sz="1600" dirty="0" err="1"/>
+              <a:t>Redcap</a:t>
+            </a:r>
+            <a:r>
+              <a:rPr lang="de-DE" sz="1600" dirty="0"/>
+              <a:t>)</a:t>
             </a:r>
           </a:p>
           <a:p>
@@ -3857,8 +3893,8 @@
         </p:nvSpPr>
         <p:spPr>
           <a:xfrm>
-            <a:off x="250371" y="3063240"/>
-            <a:ext cx="10515600" cy="731519"/>
+            <a:off x="250371" y="2801852"/>
+            <a:ext cx="10515600" cy="568960"/>
           </a:xfrm>
           <a:prstGeom prst="rect">
             <a:avLst/>
@@ -4050,26 +4086,8 @@
             </a:pPr>
             <a:r>
               <a:rPr lang="de-DE" sz="1600" dirty="0"/>
-              <a:t>2. .. Was für ein </a:t>
-            </a:r>
-            <a:r>
-              <a:rPr lang="de-DE" sz="1600" dirty="0" err="1"/>
-              <a:t>modell</a:t>
-            </a:r>
-            <a:r>
-              <a:rPr lang="de-DE" sz="1600" dirty="0"/>
-              <a:t>?</a:t>
-            </a:r>
-          </a:p>
-          <a:p>
-            <a:pPr>
-              <a:lnSpc>
-                <a:spcPct val="100000"/>
-              </a:lnSpc>
-              <a:spcBef>
-                <a:spcPts val="0"/>
-              </a:spcBef>
-            </a:pPr>
+              <a:t>2. </a:t>
+            </a:r>
             <a:r>
               <a:rPr lang="de-DE" sz="1600" dirty="0" err="1"/>
               <a:t>For</a:t>
@@ -4137,7 +4155,7 @@
         </p:nvSpPr>
         <p:spPr>
           <a:xfrm>
-            <a:off x="250371" y="4158342"/>
+            <a:off x="250371" y="3522212"/>
             <a:ext cx="10515600" cy="1541415"/>
           </a:xfrm>
           <a:prstGeom prst="rect">
@@ -4687,7 +4705,7 @@
         </p:nvSpPr>
         <p:spPr>
           <a:xfrm>
-            <a:off x="250371" y="6063340"/>
+            <a:off x="250371" y="5215027"/>
             <a:ext cx="10515600" cy="496388"/>
           </a:xfrm>
           <a:prstGeom prst="rect">
@@ -4934,6 +4952,322 @@
               <a:rPr lang="de-DE" sz="1600" dirty="0" err="1"/>
               <a:t>volumes</a:t>
             </a:r>
+            <a:endParaRPr lang="de-DE" sz="1600" dirty="0"/>
+          </a:p>
+          <a:p>
+            <a:pPr marL="0" indent="0">
+              <a:lnSpc>
+                <a:spcPct val="100000"/>
+              </a:lnSpc>
+              <a:spcBef>
+                <a:spcPts val="0"/>
+              </a:spcBef>
+              <a:buNone/>
+            </a:pPr>
+            <a:endParaRPr lang="de-DE" sz="1600" dirty="0"/>
+          </a:p>
+        </p:txBody>
+      </p:sp>
+      <p:sp>
+        <p:nvSpPr>
+          <p:cNvPr id="6" name="Inhaltsplatzhalter 2">
+            <a:extLst>
+              <a:ext uri="{FF2B5EF4-FFF2-40B4-BE49-F238E27FC236}">
+                <a16:creationId xmlns:a16="http://schemas.microsoft.com/office/drawing/2014/main" id="{C912DAED-7CE7-0467-36CE-56B18D6B1BE0}"/>
+              </a:ext>
+            </a:extLst>
+          </p:cNvPr>
+          <p:cNvSpPr txBox="1">
+            <a:spLocks/>
+          </p:cNvSpPr>
+          <p:nvPr/>
+        </p:nvSpPr>
+        <p:spPr>
+          <a:xfrm>
+            <a:off x="250371" y="5845035"/>
+            <a:ext cx="10515600" cy="869273"/>
+          </a:xfrm>
+          <a:prstGeom prst="rect">
+            <a:avLst/>
+          </a:prstGeom>
+          <a:ln w="12700">
+            <a:solidFill>
+              <a:srgbClr val="0070C0"/>
+            </a:solidFill>
+          </a:ln>
+        </p:spPr>
+        <p:txBody>
+          <a:bodyPr vert="horz" lIns="91440" tIns="45720" rIns="91440" bIns="45720" rtlCol="0">
+            <a:normAutofit/>
+          </a:bodyPr>
+          <a:lstStyle>
+            <a:lvl1pPr marL="228600" indent="-228600" algn="l" defTabSz="914400" rtl="0" eaLnBrk="1" latinLnBrk="0" hangingPunct="1">
+              <a:lnSpc>
+                <a:spcPct val="90000"/>
+              </a:lnSpc>
+              <a:spcBef>
+                <a:spcPts val="1000"/>
+              </a:spcBef>
+              <a:buFont typeface="Arial" panose="020B0604020202020204" pitchFamily="34" charset="0"/>
+              <a:buChar char="•"/>
+              <a:defRPr sz="2800" kern="1200">
+                <a:solidFill>
+                  <a:schemeClr val="tx1"/>
+                </a:solidFill>
+                <a:latin typeface="+mn-lt"/>
+                <a:ea typeface="+mn-ea"/>
+                <a:cs typeface="+mn-cs"/>
+              </a:defRPr>
+            </a:lvl1pPr>
+            <a:lvl2pPr marL="685800" indent="-228600" algn="l" defTabSz="914400" rtl="0" eaLnBrk="1" latinLnBrk="0" hangingPunct="1">
+              <a:lnSpc>
+                <a:spcPct val="90000"/>
+              </a:lnSpc>
+              <a:spcBef>
+                <a:spcPts val="500"/>
+              </a:spcBef>
+              <a:buFont typeface="Arial" panose="020B0604020202020204" pitchFamily="34" charset="0"/>
+              <a:buChar char="•"/>
+              <a:defRPr sz="2400" kern="1200">
+                <a:solidFill>
+                  <a:schemeClr val="tx1"/>
+                </a:solidFill>
+                <a:latin typeface="+mn-lt"/>
+                <a:ea typeface="+mn-ea"/>
+                <a:cs typeface="+mn-cs"/>
+              </a:defRPr>
+            </a:lvl2pPr>
+            <a:lvl3pPr marL="1143000" indent="-228600" algn="l" defTabSz="914400" rtl="0" eaLnBrk="1" latinLnBrk="0" hangingPunct="1">
+              <a:lnSpc>
+                <a:spcPct val="90000"/>
+              </a:lnSpc>
+              <a:spcBef>
+                <a:spcPts val="500"/>
+              </a:spcBef>
+              <a:buFont typeface="Arial" panose="020B0604020202020204" pitchFamily="34" charset="0"/>
+              <a:buChar char="•"/>
+              <a:defRPr sz="2000" kern="1200">
+                <a:solidFill>
+                  <a:schemeClr val="tx1"/>
+                </a:solidFill>
+                <a:latin typeface="+mn-lt"/>
+                <a:ea typeface="+mn-ea"/>
+                <a:cs typeface="+mn-cs"/>
+              </a:defRPr>
+            </a:lvl3pPr>
+            <a:lvl4pPr marL="1600200" indent="-228600" algn="l" defTabSz="914400" rtl="0" eaLnBrk="1" latinLnBrk="0" hangingPunct="1">
+              <a:lnSpc>
+                <a:spcPct val="90000"/>
+              </a:lnSpc>
+              <a:spcBef>
+                <a:spcPts val="500"/>
+              </a:spcBef>
+              <a:buFont typeface="Arial" panose="020B0604020202020204" pitchFamily="34" charset="0"/>
+              <a:buChar char="•"/>
+              <a:defRPr sz="1800" kern="1200">
+                <a:solidFill>
+                  <a:schemeClr val="tx1"/>
+                </a:solidFill>
+                <a:latin typeface="+mn-lt"/>
+                <a:ea typeface="+mn-ea"/>
+                <a:cs typeface="+mn-cs"/>
+              </a:defRPr>
+            </a:lvl4pPr>
+            <a:lvl5pPr marL="2057400" indent="-228600" algn="l" defTabSz="914400" rtl="0" eaLnBrk="1" latinLnBrk="0" hangingPunct="1">
+              <a:lnSpc>
+                <a:spcPct val="90000"/>
+              </a:lnSpc>
+              <a:spcBef>
+                <a:spcPts val="500"/>
+              </a:spcBef>
+              <a:buFont typeface="Arial" panose="020B0604020202020204" pitchFamily="34" charset="0"/>
+              <a:buChar char="•"/>
+              <a:defRPr sz="1800" kern="1200">
+                <a:solidFill>
+                  <a:schemeClr val="tx1"/>
+                </a:solidFill>
+                <a:latin typeface="+mn-lt"/>
+                <a:ea typeface="+mn-ea"/>
+                <a:cs typeface="+mn-cs"/>
+              </a:defRPr>
+            </a:lvl5pPr>
+            <a:lvl6pPr marL="2514600" indent="-228600" algn="l" defTabSz="914400" rtl="0" eaLnBrk="1" latinLnBrk="0" hangingPunct="1">
+              <a:lnSpc>
+                <a:spcPct val="90000"/>
+              </a:lnSpc>
+              <a:spcBef>
+                <a:spcPts val="500"/>
+              </a:spcBef>
+              <a:buFont typeface="Arial" panose="020B0604020202020204" pitchFamily="34" charset="0"/>
+              <a:buChar char="•"/>
+              <a:defRPr sz="1800" kern="1200">
+                <a:solidFill>
+                  <a:schemeClr val="tx1"/>
+                </a:solidFill>
+                <a:latin typeface="+mn-lt"/>
+                <a:ea typeface="+mn-ea"/>
+                <a:cs typeface="+mn-cs"/>
+              </a:defRPr>
+            </a:lvl6pPr>
+            <a:lvl7pPr marL="2971800" indent="-228600" algn="l" defTabSz="914400" rtl="0" eaLnBrk="1" latinLnBrk="0" hangingPunct="1">
+              <a:lnSpc>
+                <a:spcPct val="90000"/>
+              </a:lnSpc>
+              <a:spcBef>
+                <a:spcPts val="500"/>
+              </a:spcBef>
+              <a:buFont typeface="Arial" panose="020B0604020202020204" pitchFamily="34" charset="0"/>
+              <a:buChar char="•"/>
+              <a:defRPr sz="1800" kern="1200">
+                <a:solidFill>
+                  <a:schemeClr val="tx1"/>
+                </a:solidFill>
+                <a:latin typeface="+mn-lt"/>
+                <a:ea typeface="+mn-ea"/>
+                <a:cs typeface="+mn-cs"/>
+              </a:defRPr>
+            </a:lvl7pPr>
+            <a:lvl8pPr marL="3429000" indent="-228600" algn="l" defTabSz="914400" rtl="0" eaLnBrk="1" latinLnBrk="0" hangingPunct="1">
+              <a:lnSpc>
+                <a:spcPct val="90000"/>
+              </a:lnSpc>
+              <a:spcBef>
+                <a:spcPts val="500"/>
+              </a:spcBef>
+              <a:buFont typeface="Arial" panose="020B0604020202020204" pitchFamily="34" charset="0"/>
+              <a:buChar char="•"/>
+              <a:defRPr sz="1800" kern="1200">
+                <a:solidFill>
+                  <a:schemeClr val="tx1"/>
+                </a:solidFill>
+                <a:latin typeface="+mn-lt"/>
+                <a:ea typeface="+mn-ea"/>
+                <a:cs typeface="+mn-cs"/>
+              </a:defRPr>
+            </a:lvl8pPr>
+            <a:lvl9pPr marL="3886200" indent="-228600" algn="l" defTabSz="914400" rtl="0" eaLnBrk="1" latinLnBrk="0" hangingPunct="1">
+              <a:lnSpc>
+                <a:spcPct val="90000"/>
+              </a:lnSpc>
+              <a:spcBef>
+                <a:spcPts val="500"/>
+              </a:spcBef>
+              <a:buFont typeface="Arial" panose="020B0604020202020204" pitchFamily="34" charset="0"/>
+              <a:buChar char="•"/>
+              <a:defRPr sz="1800" kern="1200">
+                <a:solidFill>
+                  <a:schemeClr val="tx1"/>
+                </a:solidFill>
+                <a:latin typeface="+mn-lt"/>
+                <a:ea typeface="+mn-ea"/>
+                <a:cs typeface="+mn-cs"/>
+              </a:defRPr>
+            </a:lvl9pPr>
+          </a:lstStyle>
+          <a:p>
+            <a:pPr marL="0" indent="0">
+              <a:lnSpc>
+                <a:spcPct val="100000"/>
+              </a:lnSpc>
+              <a:spcBef>
+                <a:spcPts val="0"/>
+              </a:spcBef>
+              <a:buFont typeface="Arial" panose="020B0604020202020204" pitchFamily="34" charset="0"/>
+              <a:buNone/>
+            </a:pPr>
+            <a:r>
+              <a:rPr lang="de-DE" sz="1600" dirty="0"/>
+              <a:t>4. GLMs nochmal rechnen ohne:</a:t>
+            </a:r>
+          </a:p>
+          <a:p>
+            <a:pPr>
+              <a:lnSpc>
+                <a:spcPct val="100000"/>
+              </a:lnSpc>
+              <a:spcBef>
+                <a:spcPts val="0"/>
+              </a:spcBef>
+            </a:pPr>
+            <a:r>
+              <a:rPr lang="de-DE" sz="1600" dirty="0" err="1"/>
+              <a:t>comorb</a:t>
+            </a:r>
+            <a:r>
+              <a:rPr lang="de-DE" sz="1600" dirty="0"/>
+              <a:t> and/</a:t>
+            </a:r>
+            <a:r>
+              <a:rPr lang="de-DE" sz="1600" dirty="0" err="1"/>
+              <a:t>or</a:t>
+            </a:r>
+            <a:r>
+              <a:rPr lang="de-DE" sz="1600" dirty="0"/>
+              <a:t> SSRI (</a:t>
+            </a:r>
+            <a:r>
+              <a:rPr lang="de-DE" sz="1600" dirty="0" err="1"/>
+              <a:t>mirtazapin</a:t>
+            </a:r>
+            <a:r>
+              <a:rPr lang="de-DE" sz="1600" dirty="0"/>
+              <a:t>)</a:t>
+            </a:r>
+          </a:p>
+          <a:p>
+            <a:pPr>
+              <a:lnSpc>
+                <a:spcPct val="100000"/>
+              </a:lnSpc>
+              <a:spcBef>
+                <a:spcPts val="0"/>
+              </a:spcBef>
+            </a:pPr>
+            <a:r>
+              <a:rPr lang="de-DE" sz="1600" dirty="0"/>
+              <a:t> </a:t>
+            </a:r>
+            <a:r>
+              <a:rPr lang="de-DE" sz="1600" dirty="0" err="1"/>
+              <a:t>binge</a:t>
+            </a:r>
+            <a:r>
+              <a:rPr lang="de-DE" sz="1600" dirty="0"/>
+              <a:t>/</a:t>
+            </a:r>
+            <a:r>
+              <a:rPr lang="de-DE" sz="1600" dirty="0" err="1"/>
+              <a:t>purge</a:t>
+            </a:r>
+            <a:r>
+              <a:rPr lang="de-DE" sz="1600" dirty="0"/>
+              <a:t> </a:t>
+            </a:r>
+            <a:r>
+              <a:rPr lang="de-DE" sz="1600" dirty="0" err="1"/>
+              <a:t>subtypes</a:t>
+            </a:r>
+            <a:r>
+              <a:rPr lang="de-DE" sz="1600" dirty="0"/>
+              <a:t> </a:t>
+            </a:r>
+            <a:r>
+              <a:rPr lang="de-DE" sz="1600" dirty="0" err="1"/>
+              <a:t>excluded</a:t>
+            </a:r>
+            <a:endParaRPr lang="de-DE" sz="1600" dirty="0"/>
+          </a:p>
+          <a:p>
+            <a:pPr marL="0" indent="0">
+              <a:lnSpc>
+                <a:spcPct val="100000"/>
+              </a:lnSpc>
+              <a:spcBef>
+                <a:spcPts val="0"/>
+              </a:spcBef>
+              <a:buFont typeface="Arial" panose="020B0604020202020204" pitchFamily="34" charset="0"/>
+              <a:buNone/>
+            </a:pPr>
             <a:endParaRPr lang="de-DE" sz="1600" dirty="0"/>
           </a:p>
           <a:p>
@@ -5291,7 +5625,7 @@
             </a:pPr>
             <a:r>
               <a:rPr lang="en-US" sz="1600" dirty="0"/>
-              <a:t>Correlations were assessed for thalamic (sub)regions among T1 with an FDR-adjusted p-value of &lt; 0.05 in the main GLM, i.e. only for thalamic (sub)structures significantly different from HC according to the main GLM (GLM1)</a:t>
+              <a:t>Correlations were assessed for thalamic (sub)regions among T1 with an FDR-adjusted p-value of &lt; 0.05 in the main GLM, i.e. only for thalamic (sub)structures significantly different from HC according to the main GLM (GLM2)</a:t>
             </a:r>
           </a:p>
         </p:txBody>
